--- a/SearchYou-ppt.pptx
+++ b/SearchYou-ppt.pptx
@@ -8,10 +8,12 @@
     <p:sldId id="256" r:id="rId2"/>
     <p:sldId id="262" r:id="rId3"/>
     <p:sldId id="261" r:id="rId4"/>
-    <p:sldId id="257" r:id="rId5"/>
-    <p:sldId id="258" r:id="rId6"/>
-    <p:sldId id="259" r:id="rId7"/>
-    <p:sldId id="260" r:id="rId8"/>
+    <p:sldId id="263" r:id="rId5"/>
+    <p:sldId id="264" r:id="rId6"/>
+    <p:sldId id="257" r:id="rId7"/>
+    <p:sldId id="258" r:id="rId8"/>
+    <p:sldId id="259" r:id="rId9"/>
+    <p:sldId id="260" r:id="rId10"/>
   </p:sldIdLst>
   <p:sldSz cx="12192000" cy="6858000"/>
   <p:notesSz cx="6858000" cy="9144000"/>
@@ -7664,8 +7666,8 @@
         </p:nvSpPr>
         <p:spPr>
           <a:xfrm>
-            <a:off x="3439329" y="3748223"/>
-            <a:ext cx="5163758" cy="1323439"/>
+            <a:off x="2756078" y="2984270"/>
+            <a:ext cx="6516710" cy="1323439"/>
           </a:xfrm>
           <a:prstGeom prst="rect">
             <a:avLst/>
@@ -7680,7 +7682,7 @@
           <a:p>
             <a:pPr algn="ctr"/>
             <a:r>
-              <a:rPr lang="en-US" altLang="zh-CN" sz="8000" b="1" cap="none" spc="0" dirty="0" err="1" smtClean="0">
+              <a:rPr lang="en-US" altLang="zh-CN" sz="8000" b="1" cap="none" spc="0" dirty="0" smtClean="0">
                 <a:ln w="6600">
                   <a:solidFill>
                     <a:schemeClr val="accent2"/>
@@ -7696,7 +7698,7 @@
                   </a:outerShdw>
                 </a:effectLst>
               </a:rPr>
-              <a:t>SearchYou</a:t>
+              <a:t>Search You</a:t>
             </a:r>
             <a:endParaRPr lang="zh-CN" altLang="en-US" sz="8000" b="1" cap="none" spc="0" dirty="0">
               <a:ln w="6600">
@@ -7727,6 +7729,13 @@
   <p:clrMapOvr>
     <a:masterClrMapping/>
   </p:clrMapOvr>
+  <p:timing>
+    <p:tnLst>
+      <p:par>
+        <p:cTn id="1" dur="indefinite" restart="never" nodeType="tmRoot"/>
+      </p:par>
+    </p:tnLst>
+  </p:timing>
 </p:sld>
 </file>
 
@@ -7985,19 +7994,7 @@
             <a:pPr algn="l"/>
             <a:r>
               <a:rPr lang="en-US" altLang="zh-CN" sz="3600" dirty="0" smtClean="0"/>
-              <a:t>1.Make </a:t>
-            </a:r>
-            <a:r>
-              <a:rPr lang="en-US" altLang="zh-CN" sz="3600" dirty="0" smtClean="0"/>
-              <a:t>the employment more </a:t>
-            </a:r>
-            <a:r>
-              <a:rPr lang="en-US" altLang="zh-CN" sz="3600" dirty="0" smtClean="0"/>
-              <a:t>convenient 2.Connect </a:t>
-            </a:r>
-            <a:r>
-              <a:rPr lang="en-US" altLang="zh-CN" sz="3600" dirty="0" smtClean="0"/>
-              <a:t>between the employer and employee</a:t>
+              <a:t>1.Make the employment more convenient 2.Connect between the employer and employee</a:t>
             </a:r>
             <a:endParaRPr lang="zh-CN" altLang="en-US" sz="3600" dirty="0"/>
           </a:p>
@@ -8013,6 +8010,13 @@
   <p:clrMapOvr>
     <a:masterClrMapping/>
   </p:clrMapOvr>
+  <p:timing>
+    <p:tnLst>
+      <p:par>
+        <p:cTn id="1" dur="indefinite" restart="never" nodeType="tmRoot"/>
+      </p:par>
+    </p:tnLst>
+  </p:timing>
 </p:sld>
 </file>
 
@@ -8298,10 +8302,293 @@
   <p:clrMapOvr>
     <a:masterClrMapping/>
   </p:clrMapOvr>
+  <p:timing>
+    <p:tnLst>
+      <p:par>
+        <p:cTn id="1" dur="indefinite" restart="never" nodeType="tmRoot"/>
+      </p:par>
+    </p:tnLst>
+  </p:timing>
 </p:sld>
 </file>
 
 <file path=ppt/slides/slide4.xml><?xml version="1.0" encoding="utf-8"?>
+<p:sld xmlns:a="http://schemas.openxmlformats.org/drawingml/2006/main" xmlns:r="http://schemas.openxmlformats.org/officeDocument/2006/relationships" xmlns:p="http://schemas.openxmlformats.org/presentationml/2006/main">
+  <p:cSld>
+    <p:spTree>
+      <p:nvGrpSpPr>
+        <p:cNvPr id="1" name=""/>
+        <p:cNvGrpSpPr/>
+        <p:nvPr/>
+      </p:nvGrpSpPr>
+      <p:grpSpPr>
+        <a:xfrm>
+          <a:off x="0" y="0"/>
+          <a:ext cx="0" cy="0"/>
+          <a:chOff x="0" y="0"/>
+          <a:chExt cx="0" cy="0"/>
+        </a:xfrm>
+      </p:grpSpPr>
+      <p:sp>
+        <p:nvSpPr>
+          <p:cNvPr id="4" name="矩形 3"/>
+          <p:cNvSpPr/>
+          <p:nvPr/>
+        </p:nvSpPr>
+        <p:spPr>
+          <a:xfrm>
+            <a:off x="682806" y="551681"/>
+            <a:ext cx="5967789" cy="923330"/>
+          </a:xfrm>
+          <a:prstGeom prst="rect">
+            <a:avLst/>
+          </a:prstGeom>
+          <a:noFill/>
+        </p:spPr>
+        <p:txBody>
+          <a:bodyPr wrap="none" lIns="91440" tIns="45720" rIns="91440" bIns="45720">
+            <a:spAutoFit/>
+          </a:bodyPr>
+          <a:lstStyle/>
+          <a:p>
+            <a:pPr algn="ctr"/>
+            <a:r>
+              <a:rPr lang="en-US" altLang="zh-CN" sz="5400" b="1" cap="none" spc="0" dirty="0" smtClean="0">
+                <a:ln/>
+                <a:pattFill prst="dkUpDiag">
+                  <a:fgClr>
+                    <a:schemeClr val="bg1">
+                      <a:lumMod val="50000"/>
+                    </a:schemeClr>
+                  </a:fgClr>
+                  <a:bgClr>
+                    <a:schemeClr val="tx1">
+                      <a:lumMod val="75000"/>
+                      <a:lumOff val="25000"/>
+                    </a:schemeClr>
+                  </a:bgClr>
+                </a:pattFill>
+                <a:effectLst>
+                  <a:outerShdw blurRad="38100" dist="19050" dir="2700000" algn="tl" rotWithShape="0">
+                    <a:schemeClr val="dk1">
+                      <a:lumMod val="50000"/>
+                      <a:alpha val="40000"/>
+                    </a:schemeClr>
+                  </a:outerShdw>
+                </a:effectLst>
+              </a:rPr>
+              <a:t>Use Case Overview </a:t>
+            </a:r>
+            <a:endParaRPr lang="zh-CN" altLang="en-US" sz="5400" b="1" cap="none" spc="0" dirty="0">
+              <a:ln/>
+              <a:pattFill prst="dkUpDiag">
+                <a:fgClr>
+                  <a:schemeClr val="bg1">
+                    <a:lumMod val="50000"/>
+                  </a:schemeClr>
+                </a:fgClr>
+                <a:bgClr>
+                  <a:schemeClr val="tx1">
+                    <a:lumMod val="75000"/>
+                    <a:lumOff val="25000"/>
+                  </a:schemeClr>
+                </a:bgClr>
+              </a:pattFill>
+              <a:effectLst>
+                <a:outerShdw blurRad="38100" dist="19050" dir="2700000" algn="tl" rotWithShape="0">
+                  <a:schemeClr val="dk1">
+                    <a:lumMod val="50000"/>
+                    <a:alpha val="40000"/>
+                  </a:schemeClr>
+                </a:outerShdw>
+              </a:effectLst>
+            </a:endParaRPr>
+          </a:p>
+        </p:txBody>
+      </p:sp>
+      <p:pic>
+        <p:nvPicPr>
+          <p:cNvPr id="5" name="图片 4"/>
+          <p:cNvPicPr>
+            <a:picLocks noChangeAspect="1"/>
+          </p:cNvPicPr>
+          <p:nvPr/>
+        </p:nvPicPr>
+        <p:blipFill>
+          <a:blip r:embed="rId2"/>
+          <a:stretch>
+            <a:fillRect/>
+          </a:stretch>
+        </p:blipFill>
+        <p:spPr>
+          <a:xfrm>
+            <a:off x="1540419" y="1799656"/>
+            <a:ext cx="8589319" cy="4137120"/>
+          </a:xfrm>
+          <a:prstGeom prst="rect">
+            <a:avLst/>
+          </a:prstGeom>
+        </p:spPr>
+      </p:pic>
+    </p:spTree>
+    <p:extLst>
+      <p:ext uri="{BB962C8B-B14F-4D97-AF65-F5344CB8AC3E}">
+        <p14:creationId xmlns:p14="http://schemas.microsoft.com/office/powerpoint/2010/main" val="3267700892"/>
+      </p:ext>
+    </p:extLst>
+  </p:cSld>
+  <p:clrMapOvr>
+    <a:masterClrMapping/>
+  </p:clrMapOvr>
+  <p:timing>
+    <p:tnLst>
+      <p:par>
+        <p:cTn id="1" dur="indefinite" restart="never" nodeType="tmRoot"/>
+      </p:par>
+    </p:tnLst>
+  </p:timing>
+</p:sld>
+</file>
+
+<file path=ppt/slides/slide5.xml><?xml version="1.0" encoding="utf-8"?>
+<p:sld xmlns:a="http://schemas.openxmlformats.org/drawingml/2006/main" xmlns:r="http://schemas.openxmlformats.org/officeDocument/2006/relationships" xmlns:p="http://schemas.openxmlformats.org/presentationml/2006/main">
+  <p:cSld>
+    <p:spTree>
+      <p:nvGrpSpPr>
+        <p:cNvPr id="1" name=""/>
+        <p:cNvGrpSpPr/>
+        <p:nvPr/>
+      </p:nvGrpSpPr>
+      <p:grpSpPr>
+        <a:xfrm>
+          <a:off x="0" y="0"/>
+          <a:ext cx="0" cy="0"/>
+          <a:chOff x="0" y="0"/>
+          <a:chExt cx="0" cy="0"/>
+        </a:xfrm>
+      </p:grpSpPr>
+      <p:pic>
+        <p:nvPicPr>
+          <p:cNvPr id="4" name="图片 3"/>
+          <p:cNvPicPr>
+            <a:picLocks noChangeAspect="1"/>
+          </p:cNvPicPr>
+          <p:nvPr/>
+        </p:nvPicPr>
+        <p:blipFill>
+          <a:blip r:embed="rId2"/>
+          <a:stretch>
+            <a:fillRect/>
+          </a:stretch>
+        </p:blipFill>
+        <p:spPr>
+          <a:xfrm>
+            <a:off x="1250403" y="1853891"/>
+            <a:ext cx="10560031" cy="4451375"/>
+          </a:xfrm>
+          <a:prstGeom prst="rect">
+            <a:avLst/>
+          </a:prstGeom>
+        </p:spPr>
+      </p:pic>
+      <p:sp>
+        <p:nvSpPr>
+          <p:cNvPr id="5" name="矩形 4"/>
+          <p:cNvSpPr/>
+          <p:nvPr/>
+        </p:nvSpPr>
+        <p:spPr>
+          <a:xfrm>
+            <a:off x="761354" y="551681"/>
+            <a:ext cx="5810693" cy="923330"/>
+          </a:xfrm>
+          <a:prstGeom prst="rect">
+            <a:avLst/>
+          </a:prstGeom>
+          <a:noFill/>
+        </p:spPr>
+        <p:txBody>
+          <a:bodyPr wrap="none" lIns="91440" tIns="45720" rIns="91440" bIns="45720">
+            <a:spAutoFit/>
+          </a:bodyPr>
+          <a:lstStyle/>
+          <a:p>
+            <a:pPr algn="ctr"/>
+            <a:r>
+              <a:rPr lang="en-US" altLang="zh-CN" sz="5400" b="1" cap="none" spc="0" dirty="0" smtClean="0">
+                <a:ln/>
+                <a:pattFill prst="dkUpDiag">
+                  <a:fgClr>
+                    <a:schemeClr val="bg1">
+                      <a:lumMod val="50000"/>
+                    </a:schemeClr>
+                  </a:fgClr>
+                  <a:bgClr>
+                    <a:schemeClr val="tx1">
+                      <a:lumMod val="75000"/>
+                      <a:lumOff val="25000"/>
+                    </a:schemeClr>
+                  </a:bgClr>
+                </a:pattFill>
+                <a:effectLst>
+                  <a:outerShdw blurRad="38100" dist="19050" dir="2700000" algn="tl" rotWithShape="0">
+                    <a:schemeClr val="dk1">
+                      <a:lumMod val="50000"/>
+                      <a:alpha val="40000"/>
+                    </a:schemeClr>
+                  </a:outerShdw>
+                </a:effectLst>
+              </a:rPr>
+              <a:t>Use Case Overview </a:t>
+            </a:r>
+            <a:endParaRPr lang="zh-CN" altLang="en-US" sz="5400" b="1" cap="none" spc="0" dirty="0">
+              <a:ln/>
+              <a:pattFill prst="dkUpDiag">
+                <a:fgClr>
+                  <a:schemeClr val="bg1">
+                    <a:lumMod val="50000"/>
+                  </a:schemeClr>
+                </a:fgClr>
+                <a:bgClr>
+                  <a:schemeClr val="tx1">
+                    <a:lumMod val="75000"/>
+                    <a:lumOff val="25000"/>
+                  </a:schemeClr>
+                </a:bgClr>
+              </a:pattFill>
+              <a:effectLst>
+                <a:outerShdw blurRad="38100" dist="19050" dir="2700000" algn="tl" rotWithShape="0">
+                  <a:schemeClr val="dk1">
+                    <a:lumMod val="50000"/>
+                    <a:alpha val="40000"/>
+                  </a:schemeClr>
+                </a:outerShdw>
+              </a:effectLst>
+            </a:endParaRPr>
+          </a:p>
+        </p:txBody>
+      </p:sp>
+    </p:spTree>
+    <p:extLst>
+      <p:ext uri="{BB962C8B-B14F-4D97-AF65-F5344CB8AC3E}">
+        <p14:creationId xmlns:p14="http://schemas.microsoft.com/office/powerpoint/2010/main" val="2451207476"/>
+      </p:ext>
+    </p:extLst>
+  </p:cSld>
+  <p:clrMapOvr>
+    <a:masterClrMapping/>
+  </p:clrMapOvr>
+  <p:timing>
+    <p:tnLst>
+      <p:par>
+        <p:cTn id="1" dur="indefinite" restart="never" nodeType="tmRoot"/>
+      </p:par>
+    </p:tnLst>
+  </p:timing>
+</p:sld>
+</file>
+
+<file path=ppt/slides/slide6.xml><?xml version="1.0" encoding="utf-8"?>
 <p:sld xmlns:a="http://schemas.openxmlformats.org/drawingml/2006/main" xmlns:r="http://schemas.openxmlformats.org/officeDocument/2006/relationships" xmlns:p="http://schemas.openxmlformats.org/presentationml/2006/main">
   <p:cSld>
     <p:spTree>
@@ -8358,10 +8645,17 @@
   <p:clrMapOvr>
     <a:masterClrMapping/>
   </p:clrMapOvr>
+  <p:timing>
+    <p:tnLst>
+      <p:par>
+        <p:cTn id="1" dur="indefinite" restart="never" nodeType="tmRoot"/>
+      </p:par>
+    </p:tnLst>
+  </p:timing>
 </p:sld>
 </file>
 
-<file path=ppt/slides/slide5.xml><?xml version="1.0" encoding="utf-8"?>
+<file path=ppt/slides/slide7.xml><?xml version="1.0" encoding="utf-8"?>
 <p:sld xmlns:a="http://schemas.openxmlformats.org/drawingml/2006/main" xmlns:r="http://schemas.openxmlformats.org/officeDocument/2006/relationships" xmlns:p="http://schemas.openxmlformats.org/presentationml/2006/main">
   <p:cSld>
     <p:spTree>
@@ -8428,7 +8722,7 @@
 </p:sld>
 </file>
 
-<file path=ppt/slides/slide6.xml><?xml version="1.0" encoding="utf-8"?>
+<file path=ppt/slides/slide8.xml><?xml version="1.0" encoding="utf-8"?>
 <p:sld xmlns:a="http://schemas.openxmlformats.org/drawingml/2006/main" xmlns:r="http://schemas.openxmlformats.org/officeDocument/2006/relationships" xmlns:p="http://schemas.openxmlformats.org/presentationml/2006/main">
   <p:cSld>
     <p:spTree>
@@ -8622,7 +8916,7 @@
 </p:sld>
 </file>
 
-<file path=ppt/slides/slide7.xml><?xml version="1.0" encoding="utf-8"?>
+<file path=ppt/slides/slide9.xml><?xml version="1.0" encoding="utf-8"?>
 <p:sld xmlns:a="http://schemas.openxmlformats.org/drawingml/2006/main" xmlns:r="http://schemas.openxmlformats.org/officeDocument/2006/relationships" xmlns:p="http://schemas.openxmlformats.org/presentationml/2006/main">
   <p:cSld>
     <p:spTree>
@@ -8797,6 +9091,13 @@
   <p:clrMapOvr>
     <a:masterClrMapping/>
   </p:clrMapOvr>
+  <p:timing>
+    <p:tnLst>
+      <p:par>
+        <p:cTn id="1" dur="indefinite" restart="never" nodeType="tmRoot"/>
+      </p:par>
+    </p:tnLst>
+  </p:timing>
 </p:sld>
 </file>
 
